--- a/src/main/java/copyfromthis.pptx
+++ b/src/main/java/copyfromthis.pptx
@@ -6,6 +6,31 @@
   </p:sldMasterIdLst>
   <p:sldIdLst>
     <p:sldId id="256" r:id="rId6"/>
+    <p:sldId id="257" r:id="rId7"/>
+    <p:sldId id="258" r:id="rId8"/>
+    <p:sldId id="259" r:id="rId9"/>
+    <p:sldId id="260" r:id="rId10"/>
+    <p:sldId id="261" r:id="rId11"/>
+    <p:sldId id="262" r:id="rId12"/>
+    <p:sldId id="263" r:id="rId13"/>
+    <p:sldId id="264" r:id="rId14"/>
+    <p:sldId id="265" r:id="rId15"/>
+    <p:sldId id="266" r:id="rId16"/>
+    <p:sldId id="267" r:id="rId17"/>
+    <p:sldId id="268" r:id="rId18"/>
+    <p:sldId id="269" r:id="rId19"/>
+    <p:sldId id="270" r:id="rId20"/>
+    <p:sldId id="271" r:id="rId21"/>
+    <p:sldId id="272" r:id="rId22"/>
+    <p:sldId id="273" r:id="rId23"/>
+    <p:sldId id="274" r:id="rId24"/>
+    <p:sldId id="275" r:id="rId25"/>
+    <p:sldId id="276" r:id="rId26"/>
+    <p:sldId id="277" r:id="rId27"/>
+    <p:sldId id="278" r:id="rId28"/>
+    <p:sldId id="279" r:id="rId29"/>
+    <p:sldId id="280" r:id="rId30"/>
+    <p:sldId id="281" r:id="rId31"/>
   </p:sldIdLst>
   <p:sldSz cx="24384000" cy="13716000"/>
   <p:notesSz cx="6858000" cy="9144000"/>
@@ -3087,42 +3112,1623 @@
             <a:r>
               <a:rPr lang="en-US" sz="8000">
                 <a:solidFill>
-                  <a:srgbClr val="FFFFFF"/>
+                  <a:srgbClr val="000000"/>
                 </a:solidFill>
               </a:rPr>
-              <a:t>Worthy is the Lamb who was slain
-Holy, holy is He
-Sing a new song to Him who sits on
-Heaven's mercy seat
-Worthy is the Lamb who was slain
-Holy, holy is He
-Sing a new song to Him who sits on
-Heaven's mercy seat
-Holy, holy, holy is the Lord God Almighty
-Who was and is and is to come
-With all creation I sing praise to the King of kings
-You are my everything and I will adore You
-Clothed in rainbows of living color
-Flashes of lightning rolls of thunder
-Blessing and honor strength and glory and power be
-To You the only one who's King
-Holy, holy, holy is the Lord God Almighty
-Who was and is and is to come
-With all creation I sing praise to the King of kings
-You are my everything and I will adore You
-Filled with wonder awestruck wonder
-At the mention of Your name
-Jesus Your name is power, breath and living water
-Such a marvelous mystery
-Oh
-Oh, You're worthy, mystery
-You are worthy
-Holy, holy, holy is the Lord God Almighty
-Who was and is and is to come
-With all creation I sing praise to the King of kings
-You are my everything and I will adore You
-I will adore You
-</a:t>
+              <a:t>Blessed Be Your Name</a:t>
+            </a:r>
+          </a:p>
+        </p:txBody>
+      </p:sp>
+    </p:spTree>
+  </p:cSld>
+  <p:clrMapOvr>
+    <a:masterClrMapping/>
+  </p:clrMapOvr>
+</p:sld>
+</file>
+
+<file path=ppt/slides/slide10.xml><?xml version="1.0" encoding="utf-8"?>
+<p:sld xmlns:p="http://schemas.openxmlformats.org/presentationml/2006/main" xmlns:a="http://schemas.openxmlformats.org/drawingml/2006/main" xmlns:r="http://schemas.openxmlformats.org/officeDocument/2006/relationships">
+  <p:cSld>
+    <p:bg>
+      <p:bgPr>
+        <a:blipFill>
+          <a:blip r:embed="rId2"/>
+          <a:stretch>
+            <a:fillRect/>
+          </a:stretch>
+        </a:blipFill>
+      </p:bgPr>
+    </p:bg>
+    <p:spTree>
+      <p:nvGrpSpPr>
+        <p:cNvPr id="1" name=""/>
+        <p:cNvGrpSpPr/>
+        <p:nvPr/>
+      </p:nvGrpSpPr>
+      <p:grpSpPr>
+        <a:xfrm>
+          <a:off x="0" y="0"/>
+          <a:ext cx="0" cy="0"/>
+          <a:chOff x="0" y="0"/>
+          <a:chExt cx="0" cy="0"/>
+        </a:xfrm>
+      </p:grpSpPr>
+      <p:sp>
+        <p:nvSpPr>
+          <p:cNvPr id="2" name="Title 1"/>
+          <p:cNvSpPr>
+            <a:spLocks noGrp="1"/>
+          </p:cNvSpPr>
+          <p:nvPr>
+            <p:ph type="title"/>
+          </p:nvPr>
+        </p:nvSpPr>
+        <p:spPr/>
+        <p:txBody>
+          <a:bodyPr/>
+          <a:lstStyle/>
+          <a:p>
+            <a:r>
+              <a:rPr lang="en-US" sz="8000">
+                <a:solidFill>
+                  <a:srgbClr val="000000"/>
+                </a:solidFill>
+              </a:rPr>
+              <a:t>You give and take away
+You give and take away
+My heart will choose to say
+Lord blessed be Your name</a:t>
+            </a:r>
+          </a:p>
+        </p:txBody>
+      </p:sp>
+    </p:spTree>
+  </p:cSld>
+  <p:clrMapOvr>
+    <a:masterClrMapping/>
+  </p:clrMapOvr>
+</p:sld>
+</file>
+
+<file path=ppt/slides/slide11.xml><?xml version="1.0" encoding="utf-8"?>
+<p:sld xmlns:p="http://schemas.openxmlformats.org/presentationml/2006/main" xmlns:a="http://schemas.openxmlformats.org/drawingml/2006/main" xmlns:r="http://schemas.openxmlformats.org/officeDocument/2006/relationships">
+  <p:cSld>
+    <p:bg>
+      <p:bgPr>
+        <a:blipFill>
+          <a:blip r:embed="rId2"/>
+          <a:stretch>
+            <a:fillRect/>
+          </a:stretch>
+        </a:blipFill>
+      </p:bgPr>
+    </p:bg>
+    <p:spTree>
+      <p:nvGrpSpPr>
+        <p:cNvPr id="1" name=""/>
+        <p:cNvGrpSpPr/>
+        <p:nvPr/>
+      </p:nvGrpSpPr>
+      <p:grpSpPr>
+        <a:xfrm>
+          <a:off x="0" y="0"/>
+          <a:ext cx="0" cy="0"/>
+          <a:chOff x="0" y="0"/>
+          <a:chExt cx="0" cy="0"/>
+        </a:xfrm>
+      </p:grpSpPr>
+      <p:sp>
+        <p:nvSpPr>
+          <p:cNvPr id="2" name="Title 1"/>
+          <p:cNvSpPr>
+            <a:spLocks noGrp="1"/>
+          </p:cNvSpPr>
+          <p:nvPr>
+            <p:ph type="title"/>
+          </p:nvPr>
+        </p:nvSpPr>
+        <p:spPr/>
+        <p:txBody>
+          <a:bodyPr/>
+          <a:lstStyle/>
+          <a:p>
+            <a:r>
+              <a:rPr lang="en-US" sz="8000">
+                <a:solidFill>
+                  <a:srgbClr val="000000"/>
+                </a:solidFill>
+              </a:rPr>
+              <a:t>Blessed be the name of the Lord
+Blessed be Your name
+Blessed be the name of the Lord
+Blessed be Your glorious name</a:t>
+            </a:r>
+          </a:p>
+        </p:txBody>
+      </p:sp>
+    </p:spTree>
+  </p:cSld>
+  <p:clrMapOvr>
+    <a:masterClrMapping/>
+  </p:clrMapOvr>
+</p:sld>
+</file>
+
+<file path=ppt/slides/slide12.xml><?xml version="1.0" encoding="utf-8"?>
+<p:sld xmlns:p="http://schemas.openxmlformats.org/presentationml/2006/main" xmlns:a="http://schemas.openxmlformats.org/drawingml/2006/main" xmlns:r="http://schemas.openxmlformats.org/officeDocument/2006/relationships">
+  <p:cSld>
+    <p:bg>
+      <p:bgPr>
+        <a:blipFill>
+          <a:blip r:embed="rId2"/>
+          <a:stretch>
+            <a:fillRect/>
+          </a:stretch>
+        </a:blipFill>
+      </p:bgPr>
+    </p:bg>
+    <p:spTree>
+      <p:nvGrpSpPr>
+        <p:cNvPr id="1" name=""/>
+        <p:cNvGrpSpPr/>
+        <p:nvPr/>
+      </p:nvGrpSpPr>
+      <p:grpSpPr>
+        <a:xfrm>
+          <a:off x="0" y="0"/>
+          <a:ext cx="0" cy="0"/>
+          <a:chOff x="0" y="0"/>
+          <a:chExt cx="0" cy="0"/>
+        </a:xfrm>
+      </p:grpSpPr>
+      <p:sp>
+        <p:nvSpPr>
+          <p:cNvPr id="2" name="Title 1"/>
+          <p:cNvSpPr>
+            <a:spLocks noGrp="1"/>
+          </p:cNvSpPr>
+          <p:nvPr>
+            <p:ph type="title"/>
+          </p:nvPr>
+        </p:nvSpPr>
+        <p:spPr/>
+        <p:txBody>
+          <a:bodyPr/>
+          <a:lstStyle/>
+          <a:p>
+            <a:r>
+              <a:rPr lang="en-US" sz="8000">
+                <a:solidFill>
+                  <a:srgbClr val="000000"/>
+                </a:solidFill>
+              </a:rPr>
+              <a:t>Glorious Day</a:t>
+            </a:r>
+          </a:p>
+        </p:txBody>
+      </p:sp>
+    </p:spTree>
+  </p:cSld>
+  <p:clrMapOvr>
+    <a:masterClrMapping/>
+  </p:clrMapOvr>
+</p:sld>
+</file>
+
+<file path=ppt/slides/slide13.xml><?xml version="1.0" encoding="utf-8"?>
+<p:sld xmlns:p="http://schemas.openxmlformats.org/presentationml/2006/main" xmlns:a="http://schemas.openxmlformats.org/drawingml/2006/main" xmlns:r="http://schemas.openxmlformats.org/officeDocument/2006/relationships">
+  <p:cSld>
+    <p:bg>
+      <p:bgPr>
+        <a:blipFill>
+          <a:blip r:embed="rId2"/>
+          <a:stretch>
+            <a:fillRect/>
+          </a:stretch>
+        </a:blipFill>
+      </p:bgPr>
+    </p:bg>
+    <p:spTree>
+      <p:nvGrpSpPr>
+        <p:cNvPr id="1" name=""/>
+        <p:cNvGrpSpPr/>
+        <p:nvPr/>
+      </p:nvGrpSpPr>
+      <p:grpSpPr>
+        <a:xfrm>
+          <a:off x="0" y="0"/>
+          <a:ext cx="0" cy="0"/>
+          <a:chOff x="0" y="0"/>
+          <a:chExt cx="0" cy="0"/>
+        </a:xfrm>
+      </p:grpSpPr>
+      <p:sp>
+        <p:nvSpPr>
+          <p:cNvPr id="2" name="Title 1"/>
+          <p:cNvSpPr>
+            <a:spLocks noGrp="1"/>
+          </p:cNvSpPr>
+          <p:nvPr>
+            <p:ph type="title"/>
+          </p:nvPr>
+        </p:nvSpPr>
+        <p:spPr/>
+        <p:txBody>
+          <a:bodyPr/>
+          <a:lstStyle/>
+          <a:p>
+            <a:r>
+              <a:rPr lang="en-US" sz="8000">
+                <a:solidFill>
+                  <a:srgbClr val="000000"/>
+                </a:solidFill>
+              </a:rPr>
+              <a:t>I was buried beneath my shame
+Who could carry that kind of weight
+It was my tomb 'til I met You</a:t>
+            </a:r>
+          </a:p>
+        </p:txBody>
+      </p:sp>
+    </p:spTree>
+  </p:cSld>
+  <p:clrMapOvr>
+    <a:masterClrMapping/>
+  </p:clrMapOvr>
+</p:sld>
+</file>
+
+<file path=ppt/slides/slide14.xml><?xml version="1.0" encoding="utf-8"?>
+<p:sld xmlns:p="http://schemas.openxmlformats.org/presentationml/2006/main" xmlns:a="http://schemas.openxmlformats.org/drawingml/2006/main" xmlns:r="http://schemas.openxmlformats.org/officeDocument/2006/relationships">
+  <p:cSld>
+    <p:bg>
+      <p:bgPr>
+        <a:blipFill>
+          <a:blip r:embed="rId2"/>
+          <a:stretch>
+            <a:fillRect/>
+          </a:stretch>
+        </a:blipFill>
+      </p:bgPr>
+    </p:bg>
+    <p:spTree>
+      <p:nvGrpSpPr>
+        <p:cNvPr id="1" name=""/>
+        <p:cNvGrpSpPr/>
+        <p:nvPr/>
+      </p:nvGrpSpPr>
+      <p:grpSpPr>
+        <a:xfrm>
+          <a:off x="0" y="0"/>
+          <a:ext cx="0" cy="0"/>
+          <a:chOff x="0" y="0"/>
+          <a:chExt cx="0" cy="0"/>
+        </a:xfrm>
+      </p:grpSpPr>
+      <p:sp>
+        <p:nvSpPr>
+          <p:cNvPr id="2" name="Title 1"/>
+          <p:cNvSpPr>
+            <a:spLocks noGrp="1"/>
+          </p:cNvSpPr>
+          <p:nvPr>
+            <p:ph type="title"/>
+          </p:nvPr>
+        </p:nvSpPr>
+        <p:spPr/>
+        <p:txBody>
+          <a:bodyPr/>
+          <a:lstStyle/>
+          <a:p>
+            <a:r>
+              <a:rPr lang="en-US" sz="8000">
+                <a:solidFill>
+                  <a:srgbClr val="000000"/>
+                </a:solidFill>
+              </a:rPr>
+              <a:t>I was breathing but not alive
+All my failures I tried to hide
+It was my tomb 'til I met You</a:t>
+            </a:r>
+          </a:p>
+        </p:txBody>
+      </p:sp>
+    </p:spTree>
+  </p:cSld>
+  <p:clrMapOvr>
+    <a:masterClrMapping/>
+  </p:clrMapOvr>
+</p:sld>
+</file>
+
+<file path=ppt/slides/slide15.xml><?xml version="1.0" encoding="utf-8"?>
+<p:sld xmlns:p="http://schemas.openxmlformats.org/presentationml/2006/main" xmlns:a="http://schemas.openxmlformats.org/drawingml/2006/main" xmlns:r="http://schemas.openxmlformats.org/officeDocument/2006/relationships">
+  <p:cSld>
+    <p:bg>
+      <p:bgPr>
+        <a:blipFill>
+          <a:blip r:embed="rId2"/>
+          <a:stretch>
+            <a:fillRect/>
+          </a:stretch>
+        </a:blipFill>
+      </p:bgPr>
+    </p:bg>
+    <p:spTree>
+      <p:nvGrpSpPr>
+        <p:cNvPr id="1" name=""/>
+        <p:cNvGrpSpPr/>
+        <p:nvPr/>
+      </p:nvGrpSpPr>
+      <p:grpSpPr>
+        <a:xfrm>
+          <a:off x="0" y="0"/>
+          <a:ext cx="0" cy="0"/>
+          <a:chOff x="0" y="0"/>
+          <a:chExt cx="0" cy="0"/>
+        </a:xfrm>
+      </p:grpSpPr>
+      <p:sp>
+        <p:nvSpPr>
+          <p:cNvPr id="2" name="Title 1"/>
+          <p:cNvSpPr>
+            <a:spLocks noGrp="1"/>
+          </p:cNvSpPr>
+          <p:nvPr>
+            <p:ph type="title"/>
+          </p:nvPr>
+        </p:nvSpPr>
+        <p:spPr/>
+        <p:txBody>
+          <a:bodyPr/>
+          <a:lstStyle/>
+          <a:p>
+            <a:r>
+              <a:rPr lang="en-US" sz="8000">
+                <a:solidFill>
+                  <a:srgbClr val="000000"/>
+                </a:solidFill>
+              </a:rPr>
+              <a:t>('Cause when) You called my name (and)
+I ran out of that grave
+Out of the darkness into Your glorious day
+You called my name (and) I ran out of that grave
+Out of the darkness into Your glorious day</a:t>
+            </a:r>
+          </a:p>
+        </p:txBody>
+      </p:sp>
+    </p:spTree>
+  </p:cSld>
+  <p:clrMapOvr>
+    <a:masterClrMapping/>
+  </p:clrMapOvr>
+</p:sld>
+</file>
+
+<file path=ppt/slides/slide16.xml><?xml version="1.0" encoding="utf-8"?>
+<p:sld xmlns:p="http://schemas.openxmlformats.org/presentationml/2006/main" xmlns:a="http://schemas.openxmlformats.org/drawingml/2006/main" xmlns:r="http://schemas.openxmlformats.org/officeDocument/2006/relationships">
+  <p:cSld>
+    <p:bg>
+      <p:bgPr>
+        <a:blipFill>
+          <a:blip r:embed="rId2"/>
+          <a:stretch>
+            <a:fillRect/>
+          </a:stretch>
+        </a:blipFill>
+      </p:bgPr>
+    </p:bg>
+    <p:spTree>
+      <p:nvGrpSpPr>
+        <p:cNvPr id="1" name=""/>
+        <p:cNvGrpSpPr/>
+        <p:nvPr/>
+      </p:nvGrpSpPr>
+      <p:grpSpPr>
+        <a:xfrm>
+          <a:off x="0" y="0"/>
+          <a:ext cx="0" cy="0"/>
+          <a:chOff x="0" y="0"/>
+          <a:chExt cx="0" cy="0"/>
+        </a:xfrm>
+      </p:grpSpPr>
+      <p:sp>
+        <p:nvSpPr>
+          <p:cNvPr id="2" name="Title 1"/>
+          <p:cNvSpPr>
+            <a:spLocks noGrp="1"/>
+          </p:cNvSpPr>
+          <p:nvPr>
+            <p:ph type="title"/>
+          </p:nvPr>
+        </p:nvSpPr>
+        <p:spPr/>
+        <p:txBody>
+          <a:bodyPr/>
+          <a:lstStyle/>
+          <a:p>
+            <a:r>
+              <a:rPr lang="en-US" sz="8000">
+                <a:solidFill>
+                  <a:srgbClr val="000000"/>
+                </a:solidFill>
+              </a:rPr>
+              <a:t>Now Your mercy has saved my soul
+Now Your freedom is all that I know
+The old made new Jesus when I met You</a:t>
+            </a:r>
+          </a:p>
+        </p:txBody>
+      </p:sp>
+    </p:spTree>
+  </p:cSld>
+  <p:clrMapOvr>
+    <a:masterClrMapping/>
+  </p:clrMapOvr>
+</p:sld>
+</file>
+
+<file path=ppt/slides/slide17.xml><?xml version="1.0" encoding="utf-8"?>
+<p:sld xmlns:p="http://schemas.openxmlformats.org/presentationml/2006/main" xmlns:a="http://schemas.openxmlformats.org/drawingml/2006/main" xmlns:r="http://schemas.openxmlformats.org/officeDocument/2006/relationships">
+  <p:cSld>
+    <p:bg>
+      <p:bgPr>
+        <a:blipFill>
+          <a:blip r:embed="rId2"/>
+          <a:stretch>
+            <a:fillRect/>
+          </a:stretch>
+        </a:blipFill>
+      </p:bgPr>
+    </p:bg>
+    <p:spTree>
+      <p:nvGrpSpPr>
+        <p:cNvPr id="1" name=""/>
+        <p:cNvGrpSpPr/>
+        <p:nvPr/>
+      </p:nvGrpSpPr>
+      <p:grpSpPr>
+        <a:xfrm>
+          <a:off x="0" y="0"/>
+          <a:ext cx="0" cy="0"/>
+          <a:chOff x="0" y="0"/>
+          <a:chExt cx="0" cy="0"/>
+        </a:xfrm>
+      </p:grpSpPr>
+      <p:sp>
+        <p:nvSpPr>
+          <p:cNvPr id="2" name="Title 1"/>
+          <p:cNvSpPr>
+            <a:spLocks noGrp="1"/>
+          </p:cNvSpPr>
+          <p:nvPr>
+            <p:ph type="title"/>
+          </p:nvPr>
+        </p:nvSpPr>
+        <p:spPr/>
+        <p:txBody>
+          <a:bodyPr/>
+          <a:lstStyle/>
+          <a:p>
+            <a:r>
+              <a:rPr lang="en-US" sz="8000">
+                <a:solidFill>
+                  <a:srgbClr val="000000"/>
+                </a:solidFill>
+              </a:rPr>
+              <a:t>('Cause when) You called my name (and)
+I ran out of that grave
+Out of the darkness into Your glorious day
+You called my name (and) I ran out of that grave
+Out of the darkness into Your glorious day</a:t>
+            </a:r>
+          </a:p>
+        </p:txBody>
+      </p:sp>
+    </p:spTree>
+  </p:cSld>
+  <p:clrMapOvr>
+    <a:masterClrMapping/>
+  </p:clrMapOvr>
+</p:sld>
+</file>
+
+<file path=ppt/slides/slide18.xml><?xml version="1.0" encoding="utf-8"?>
+<p:sld xmlns:p="http://schemas.openxmlformats.org/presentationml/2006/main" xmlns:a="http://schemas.openxmlformats.org/drawingml/2006/main" xmlns:r="http://schemas.openxmlformats.org/officeDocument/2006/relationships">
+  <p:cSld>
+    <p:bg>
+      <p:bgPr>
+        <a:blipFill>
+          <a:blip r:embed="rId2"/>
+          <a:stretch>
+            <a:fillRect/>
+          </a:stretch>
+        </a:blipFill>
+      </p:bgPr>
+    </p:bg>
+    <p:spTree>
+      <p:nvGrpSpPr>
+        <p:cNvPr id="1" name=""/>
+        <p:cNvGrpSpPr/>
+        <p:nvPr/>
+      </p:nvGrpSpPr>
+      <p:grpSpPr>
+        <a:xfrm>
+          <a:off x="0" y="0"/>
+          <a:ext cx="0" cy="0"/>
+          <a:chOff x="0" y="0"/>
+          <a:chExt cx="0" cy="0"/>
+        </a:xfrm>
+      </p:grpSpPr>
+      <p:sp>
+        <p:nvSpPr>
+          <p:cNvPr id="2" name="Title 1"/>
+          <p:cNvSpPr>
+            <a:spLocks noGrp="1"/>
+          </p:cNvSpPr>
+          <p:nvPr>
+            <p:ph type="title"/>
+          </p:nvPr>
+        </p:nvSpPr>
+        <p:spPr/>
+        <p:txBody>
+          <a:bodyPr/>
+          <a:lstStyle/>
+          <a:p>
+            <a:r>
+              <a:rPr lang="en-US" sz="8000">
+                <a:solidFill>
+                  <a:srgbClr val="000000"/>
+                </a:solidFill>
+              </a:rPr>
+              <a:t>I needed rescue my sin was heavy
+But chains break at the weight of Your glory
+I needed shelter I was an orphan
+Now You call me a citizen of Heaven
+When I was broken You were my healing
+Now Your love is the air that I'm breathing
+I have a future my eyes are open</a:t>
+            </a:r>
+          </a:p>
+        </p:txBody>
+      </p:sp>
+    </p:spTree>
+  </p:cSld>
+  <p:clrMapOvr>
+    <a:masterClrMapping/>
+  </p:clrMapOvr>
+</p:sld>
+</file>
+
+<file path=ppt/slides/slide19.xml><?xml version="1.0" encoding="utf-8"?>
+<p:sld xmlns:p="http://schemas.openxmlformats.org/presentationml/2006/main" xmlns:a="http://schemas.openxmlformats.org/drawingml/2006/main" xmlns:r="http://schemas.openxmlformats.org/officeDocument/2006/relationships">
+  <p:cSld>
+    <p:bg>
+      <p:bgPr>
+        <a:blipFill>
+          <a:blip r:embed="rId2"/>
+          <a:stretch>
+            <a:fillRect/>
+          </a:stretch>
+        </a:blipFill>
+      </p:bgPr>
+    </p:bg>
+    <p:spTree>
+      <p:nvGrpSpPr>
+        <p:cNvPr id="1" name=""/>
+        <p:cNvGrpSpPr/>
+        <p:nvPr/>
+      </p:nvGrpSpPr>
+      <p:grpSpPr>
+        <a:xfrm>
+          <a:off x="0" y="0"/>
+          <a:ext cx="0" cy="0"/>
+          <a:chOff x="0" y="0"/>
+          <a:chExt cx="0" cy="0"/>
+        </a:xfrm>
+      </p:grpSpPr>
+      <p:sp>
+        <p:nvSpPr>
+          <p:cNvPr id="2" name="Title 1"/>
+          <p:cNvSpPr>
+            <a:spLocks noGrp="1"/>
+          </p:cNvSpPr>
+          <p:nvPr>
+            <p:ph type="title"/>
+          </p:nvPr>
+        </p:nvSpPr>
+        <p:spPr/>
+        <p:txBody>
+          <a:bodyPr/>
+          <a:lstStyle/>
+          <a:p>
+            <a:r>
+              <a:rPr lang="en-US" sz="8000">
+                <a:solidFill>
+                  <a:srgbClr val="000000"/>
+                </a:solidFill>
+              </a:rPr>
+              <a:t>Good Good Father</a:t>
+            </a:r>
+          </a:p>
+        </p:txBody>
+      </p:sp>
+    </p:spTree>
+  </p:cSld>
+  <p:clrMapOvr>
+    <a:masterClrMapping/>
+  </p:clrMapOvr>
+</p:sld>
+</file>
+
+<file path=ppt/slides/slide2.xml><?xml version="1.0" encoding="utf-8"?>
+<p:sld xmlns:p="http://schemas.openxmlformats.org/presentationml/2006/main" xmlns:a="http://schemas.openxmlformats.org/drawingml/2006/main" xmlns:r="http://schemas.openxmlformats.org/officeDocument/2006/relationships">
+  <p:cSld>
+    <p:bg>
+      <p:bgPr>
+        <a:blipFill>
+          <a:blip r:embed="rId2"/>
+          <a:stretch>
+            <a:fillRect/>
+          </a:stretch>
+        </a:blipFill>
+      </p:bgPr>
+    </p:bg>
+    <p:spTree>
+      <p:nvGrpSpPr>
+        <p:cNvPr id="1" name=""/>
+        <p:cNvGrpSpPr/>
+        <p:nvPr/>
+      </p:nvGrpSpPr>
+      <p:grpSpPr>
+        <a:xfrm>
+          <a:off x="0" y="0"/>
+          <a:ext cx="0" cy="0"/>
+          <a:chOff x="0" y="0"/>
+          <a:chExt cx="0" cy="0"/>
+        </a:xfrm>
+      </p:grpSpPr>
+      <p:sp>
+        <p:nvSpPr>
+          <p:cNvPr id="2" name="Title 1"/>
+          <p:cNvSpPr>
+            <a:spLocks noGrp="1"/>
+          </p:cNvSpPr>
+          <p:nvPr>
+            <p:ph type="title"/>
+          </p:nvPr>
+        </p:nvSpPr>
+        <p:spPr/>
+        <p:txBody>
+          <a:bodyPr/>
+          <a:lstStyle/>
+          <a:p>
+            <a:r>
+              <a:rPr lang="en-US" sz="8000">
+                <a:solidFill>
+                  <a:srgbClr val="000000"/>
+                </a:solidFill>
+              </a:rPr>
+              <a:t>Blessed be Your name
+In the land that is plentiful
+Where Your streams of abundance flow
+Blessed be Your name</a:t>
+            </a:r>
+          </a:p>
+        </p:txBody>
+      </p:sp>
+    </p:spTree>
+  </p:cSld>
+  <p:clrMapOvr>
+    <a:masterClrMapping/>
+  </p:clrMapOvr>
+</p:sld>
+</file>
+
+<file path=ppt/slides/slide20.xml><?xml version="1.0" encoding="utf-8"?>
+<p:sld xmlns:p="http://schemas.openxmlformats.org/presentationml/2006/main" xmlns:a="http://schemas.openxmlformats.org/drawingml/2006/main" xmlns:r="http://schemas.openxmlformats.org/officeDocument/2006/relationships">
+  <p:cSld>
+    <p:bg>
+      <p:bgPr>
+        <a:blipFill>
+          <a:blip r:embed="rId2"/>
+          <a:stretch>
+            <a:fillRect/>
+          </a:stretch>
+        </a:blipFill>
+      </p:bgPr>
+    </p:bg>
+    <p:spTree>
+      <p:nvGrpSpPr>
+        <p:cNvPr id="1" name=""/>
+        <p:cNvGrpSpPr/>
+        <p:nvPr/>
+      </p:nvGrpSpPr>
+      <p:grpSpPr>
+        <a:xfrm>
+          <a:off x="0" y="0"/>
+          <a:ext cx="0" cy="0"/>
+          <a:chOff x="0" y="0"/>
+          <a:chExt cx="0" cy="0"/>
+        </a:xfrm>
+      </p:grpSpPr>
+      <p:sp>
+        <p:nvSpPr>
+          <p:cNvPr id="2" name="Title 1"/>
+          <p:cNvSpPr>
+            <a:spLocks noGrp="1"/>
+          </p:cNvSpPr>
+          <p:nvPr>
+            <p:ph type="title"/>
+          </p:nvPr>
+        </p:nvSpPr>
+        <p:spPr/>
+        <p:txBody>
+          <a:bodyPr/>
+          <a:lstStyle/>
+          <a:p>
+            <a:r>
+              <a:rPr lang="en-US" sz="8000">
+                <a:solidFill>
+                  <a:srgbClr val="000000"/>
+                </a:solidFill>
+              </a:rPr>
+              <a:t>I've heard a thousand stories
+Of what they think You’re like
+But I've heard the tender whisper
+Of love in the dead of night
+You tell me that You’re pleased
+And that I'm never alone</a:t>
+            </a:r>
+          </a:p>
+        </p:txBody>
+      </p:sp>
+    </p:spTree>
+  </p:cSld>
+  <p:clrMapOvr>
+    <a:masterClrMapping/>
+  </p:clrMapOvr>
+</p:sld>
+</file>
+
+<file path=ppt/slides/slide21.xml><?xml version="1.0" encoding="utf-8"?>
+<p:sld xmlns:p="http://schemas.openxmlformats.org/presentationml/2006/main" xmlns:a="http://schemas.openxmlformats.org/drawingml/2006/main" xmlns:r="http://schemas.openxmlformats.org/officeDocument/2006/relationships">
+  <p:cSld>
+    <p:bg>
+      <p:bgPr>
+        <a:blipFill>
+          <a:blip r:embed="rId2"/>
+          <a:stretch>
+            <a:fillRect/>
+          </a:stretch>
+        </a:blipFill>
+      </p:bgPr>
+    </p:bg>
+    <p:spTree>
+      <p:nvGrpSpPr>
+        <p:cNvPr id="1" name=""/>
+        <p:cNvGrpSpPr/>
+        <p:nvPr/>
+      </p:nvGrpSpPr>
+      <p:grpSpPr>
+        <a:xfrm>
+          <a:off x="0" y="0"/>
+          <a:ext cx="0" cy="0"/>
+          <a:chOff x="0" y="0"/>
+          <a:chExt cx="0" cy="0"/>
+        </a:xfrm>
+      </p:grpSpPr>
+      <p:sp>
+        <p:nvSpPr>
+          <p:cNvPr id="2" name="Title 1"/>
+          <p:cNvSpPr>
+            <a:spLocks noGrp="1"/>
+          </p:cNvSpPr>
+          <p:nvPr>
+            <p:ph type="title"/>
+          </p:nvPr>
+        </p:nvSpPr>
+        <p:spPr/>
+        <p:txBody>
+          <a:bodyPr/>
+          <a:lstStyle/>
+          <a:p>
+            <a:r>
+              <a:rPr lang="en-US" sz="8000">
+                <a:solidFill>
+                  <a:srgbClr val="000000"/>
+                </a:solidFill>
+              </a:rPr>
+              <a:t>You're a Good Good Father
+It's who You are
+It's who You are
+It's who You are
+And I'm loved by You
+It's who I am
+It's who I am
+It's who I am</a:t>
+            </a:r>
+          </a:p>
+        </p:txBody>
+      </p:sp>
+    </p:spTree>
+  </p:cSld>
+  <p:clrMapOvr>
+    <a:masterClrMapping/>
+  </p:clrMapOvr>
+</p:sld>
+</file>
+
+<file path=ppt/slides/slide22.xml><?xml version="1.0" encoding="utf-8"?>
+<p:sld xmlns:p="http://schemas.openxmlformats.org/presentationml/2006/main" xmlns:a="http://schemas.openxmlformats.org/drawingml/2006/main" xmlns:r="http://schemas.openxmlformats.org/officeDocument/2006/relationships">
+  <p:cSld>
+    <p:bg>
+      <p:bgPr>
+        <a:blipFill>
+          <a:blip r:embed="rId2"/>
+          <a:stretch>
+            <a:fillRect/>
+          </a:stretch>
+        </a:blipFill>
+      </p:bgPr>
+    </p:bg>
+    <p:spTree>
+      <p:nvGrpSpPr>
+        <p:cNvPr id="1" name=""/>
+        <p:cNvGrpSpPr/>
+        <p:nvPr/>
+      </p:nvGrpSpPr>
+      <p:grpSpPr>
+        <a:xfrm>
+          <a:off x="0" y="0"/>
+          <a:ext cx="0" cy="0"/>
+          <a:chOff x="0" y="0"/>
+          <a:chExt cx="0" cy="0"/>
+        </a:xfrm>
+      </p:grpSpPr>
+      <p:sp>
+        <p:nvSpPr>
+          <p:cNvPr id="2" name="Title 1"/>
+          <p:cNvSpPr>
+            <a:spLocks noGrp="1"/>
+          </p:cNvSpPr>
+          <p:nvPr>
+            <p:ph type="title"/>
+          </p:nvPr>
+        </p:nvSpPr>
+        <p:spPr/>
+        <p:txBody>
+          <a:bodyPr/>
+          <a:lstStyle/>
+          <a:p>
+            <a:r>
+              <a:rPr lang="en-US" sz="8000">
+                <a:solidFill>
+                  <a:srgbClr val="000000"/>
+                </a:solidFill>
+              </a:rPr>
+              <a:t>I've seen many searching for answers
+Far and wide
+But I know we're all searching for answers
+Only You provide
+Because You know just what we need
+Before we say a word</a:t>
+            </a:r>
+          </a:p>
+        </p:txBody>
+      </p:sp>
+    </p:spTree>
+  </p:cSld>
+  <p:clrMapOvr>
+    <a:masterClrMapping/>
+  </p:clrMapOvr>
+</p:sld>
+</file>
+
+<file path=ppt/slides/slide23.xml><?xml version="1.0" encoding="utf-8"?>
+<p:sld xmlns:p="http://schemas.openxmlformats.org/presentationml/2006/main" xmlns:a="http://schemas.openxmlformats.org/drawingml/2006/main" xmlns:r="http://schemas.openxmlformats.org/officeDocument/2006/relationships">
+  <p:cSld>
+    <p:bg>
+      <p:bgPr>
+        <a:blipFill>
+          <a:blip r:embed="rId2"/>
+          <a:stretch>
+            <a:fillRect/>
+          </a:stretch>
+        </a:blipFill>
+      </p:bgPr>
+    </p:bg>
+    <p:spTree>
+      <p:nvGrpSpPr>
+        <p:cNvPr id="1" name=""/>
+        <p:cNvGrpSpPr/>
+        <p:nvPr/>
+      </p:nvGrpSpPr>
+      <p:grpSpPr>
+        <a:xfrm>
+          <a:off x="0" y="0"/>
+          <a:ext cx="0" cy="0"/>
+          <a:chOff x="0" y="0"/>
+          <a:chExt cx="0" cy="0"/>
+        </a:xfrm>
+      </p:grpSpPr>
+      <p:sp>
+        <p:nvSpPr>
+          <p:cNvPr id="2" name="Title 1"/>
+          <p:cNvSpPr>
+            <a:spLocks noGrp="1"/>
+          </p:cNvSpPr>
+          <p:nvPr>
+            <p:ph type="title"/>
+          </p:nvPr>
+        </p:nvSpPr>
+        <p:spPr/>
+        <p:txBody>
+          <a:bodyPr/>
+          <a:lstStyle/>
+          <a:p>
+            <a:r>
+              <a:rPr lang="en-US" sz="8000">
+                <a:solidFill>
+                  <a:srgbClr val="000000"/>
+                </a:solidFill>
+              </a:rPr>
+              <a:t>You're a Good Good Father
+It's who You are
+It's who You are
+It's who You are
+And I'm loved by You
+It's who I am
+It's who I am
+It's who I am</a:t>
+            </a:r>
+          </a:p>
+        </p:txBody>
+      </p:sp>
+    </p:spTree>
+  </p:cSld>
+  <p:clrMapOvr>
+    <a:masterClrMapping/>
+  </p:clrMapOvr>
+</p:sld>
+</file>
+
+<file path=ppt/slides/slide24.xml><?xml version="1.0" encoding="utf-8"?>
+<p:sld xmlns:p="http://schemas.openxmlformats.org/presentationml/2006/main" xmlns:a="http://schemas.openxmlformats.org/drawingml/2006/main" xmlns:r="http://schemas.openxmlformats.org/officeDocument/2006/relationships">
+  <p:cSld>
+    <p:bg>
+      <p:bgPr>
+        <a:blipFill>
+          <a:blip r:embed="rId2"/>
+          <a:stretch>
+            <a:fillRect/>
+          </a:stretch>
+        </a:blipFill>
+      </p:bgPr>
+    </p:bg>
+    <p:spTree>
+      <p:nvGrpSpPr>
+        <p:cNvPr id="1" name=""/>
+        <p:cNvGrpSpPr/>
+        <p:nvPr/>
+      </p:nvGrpSpPr>
+      <p:grpSpPr>
+        <a:xfrm>
+          <a:off x="0" y="0"/>
+          <a:ext cx="0" cy="0"/>
+          <a:chOff x="0" y="0"/>
+          <a:chExt cx="0" cy="0"/>
+        </a:xfrm>
+      </p:grpSpPr>
+      <p:sp>
+        <p:nvSpPr>
+          <p:cNvPr id="2" name="Title 1"/>
+          <p:cNvSpPr>
+            <a:spLocks noGrp="1"/>
+          </p:cNvSpPr>
+          <p:nvPr>
+            <p:ph type="title"/>
+          </p:nvPr>
+        </p:nvSpPr>
+        <p:spPr/>
+        <p:txBody>
+          <a:bodyPr/>
+          <a:lstStyle/>
+          <a:p>
+            <a:r>
+              <a:rPr lang="en-US" sz="8000">
+                <a:solidFill>
+                  <a:srgbClr val="000000"/>
+                </a:solidFill>
+              </a:rPr>
+              <a:t>You are perfect in all of Your ways
+You are perfect in all of Your ways
+You are perfect in all of Your ways to us</a:t>
+            </a:r>
+          </a:p>
+        </p:txBody>
+      </p:sp>
+    </p:spTree>
+  </p:cSld>
+  <p:clrMapOvr>
+    <a:masterClrMapping/>
+  </p:clrMapOvr>
+</p:sld>
+</file>
+
+<file path=ppt/slides/slide25.xml><?xml version="1.0" encoding="utf-8"?>
+<p:sld xmlns:p="http://schemas.openxmlformats.org/presentationml/2006/main" xmlns:a="http://schemas.openxmlformats.org/drawingml/2006/main" xmlns:r="http://schemas.openxmlformats.org/officeDocument/2006/relationships">
+  <p:cSld>
+    <p:bg>
+      <p:bgPr>
+        <a:blipFill>
+          <a:blip r:embed="rId2"/>
+          <a:stretch>
+            <a:fillRect/>
+          </a:stretch>
+        </a:blipFill>
+      </p:bgPr>
+    </p:bg>
+    <p:spTree>
+      <p:nvGrpSpPr>
+        <p:cNvPr id="1" name=""/>
+        <p:cNvGrpSpPr/>
+        <p:nvPr/>
+      </p:nvGrpSpPr>
+      <p:grpSpPr>
+        <a:xfrm>
+          <a:off x="0" y="0"/>
+          <a:ext cx="0" cy="0"/>
+          <a:chOff x="0" y="0"/>
+          <a:chExt cx="0" cy="0"/>
+        </a:xfrm>
+      </p:grpSpPr>
+      <p:sp>
+        <p:nvSpPr>
+          <p:cNvPr id="2" name="Title 1"/>
+          <p:cNvSpPr>
+            <a:spLocks noGrp="1"/>
+          </p:cNvSpPr>
+          <p:nvPr>
+            <p:ph type="title"/>
+          </p:nvPr>
+        </p:nvSpPr>
+        <p:spPr/>
+        <p:txBody>
+          <a:bodyPr/>
+          <a:lstStyle/>
+          <a:p>
+            <a:r>
+              <a:rPr lang="en-US" sz="8000">
+                <a:solidFill>
+                  <a:srgbClr val="000000"/>
+                </a:solidFill>
+              </a:rPr>
+              <a:t>Love so undeniable I can hardly speak
+Peace so unexplainable I can hardly think
+As You call me deeper still
+As You call me deeper still
+As You call me deeper still
+Into love love love</a:t>
+            </a:r>
+          </a:p>
+        </p:txBody>
+      </p:sp>
+    </p:spTree>
+  </p:cSld>
+  <p:clrMapOvr>
+    <a:masterClrMapping/>
+  </p:clrMapOvr>
+</p:sld>
+</file>
+
+<file path=ppt/slides/slide26.xml><?xml version="1.0" encoding="utf-8"?>
+<p:sld xmlns:p="http://schemas.openxmlformats.org/presentationml/2006/main" xmlns:a="http://schemas.openxmlformats.org/drawingml/2006/main" xmlns:r="http://schemas.openxmlformats.org/officeDocument/2006/relationships">
+  <p:cSld>
+    <p:bg>
+      <p:bgPr>
+        <a:blipFill>
+          <a:blip r:embed="rId2"/>
+          <a:stretch>
+            <a:fillRect/>
+          </a:stretch>
+        </a:blipFill>
+      </p:bgPr>
+    </p:bg>
+    <p:spTree>
+      <p:nvGrpSpPr>
+        <p:cNvPr id="1" name=""/>
+        <p:cNvGrpSpPr/>
+        <p:nvPr/>
+      </p:nvGrpSpPr>
+      <p:grpSpPr>
+        <a:xfrm>
+          <a:off x="0" y="0"/>
+          <a:ext cx="0" cy="0"/>
+          <a:chOff x="0" y="0"/>
+          <a:chExt cx="0" cy="0"/>
+        </a:xfrm>
+      </p:grpSpPr>
+      <p:sp>
+        <p:nvSpPr>
+          <p:cNvPr id="2" name="Title 1"/>
+          <p:cNvSpPr>
+            <a:spLocks noGrp="1"/>
+          </p:cNvSpPr>
+          <p:nvPr>
+            <p:ph type="title"/>
+          </p:nvPr>
+        </p:nvSpPr>
+        <p:spPr/>
+        <p:txBody>
+          <a:bodyPr/>
+          <a:lstStyle/>
+          <a:p>
+            <a:r>
+              <a:rPr lang="en-US" sz="8000">
+                <a:solidFill>
+                  <a:srgbClr val="000000"/>
+                </a:solidFill>
+              </a:rPr>
+              <a:t>You're a Good Good Father
+It's who You are
+It's who You are
+It's who You are
+And I'm loved by You
+It's who I am
+It's who I am
+It's who I am</a:t>
+            </a:r>
+          </a:p>
+        </p:txBody>
+      </p:sp>
+    </p:spTree>
+  </p:cSld>
+  <p:clrMapOvr>
+    <a:masterClrMapping/>
+  </p:clrMapOvr>
+</p:sld>
+</file>
+
+<file path=ppt/slides/slide3.xml><?xml version="1.0" encoding="utf-8"?>
+<p:sld xmlns:p="http://schemas.openxmlformats.org/presentationml/2006/main" xmlns:a="http://schemas.openxmlformats.org/drawingml/2006/main" xmlns:r="http://schemas.openxmlformats.org/officeDocument/2006/relationships">
+  <p:cSld>
+    <p:bg>
+      <p:bgPr>
+        <a:blipFill>
+          <a:blip r:embed="rId2"/>
+          <a:stretch>
+            <a:fillRect/>
+          </a:stretch>
+        </a:blipFill>
+      </p:bgPr>
+    </p:bg>
+    <p:spTree>
+      <p:nvGrpSpPr>
+        <p:cNvPr id="1" name=""/>
+        <p:cNvGrpSpPr/>
+        <p:nvPr/>
+      </p:nvGrpSpPr>
+      <p:grpSpPr>
+        <a:xfrm>
+          <a:off x="0" y="0"/>
+          <a:ext cx="0" cy="0"/>
+          <a:chOff x="0" y="0"/>
+          <a:chExt cx="0" cy="0"/>
+        </a:xfrm>
+      </p:grpSpPr>
+      <p:sp>
+        <p:nvSpPr>
+          <p:cNvPr id="2" name="Title 1"/>
+          <p:cNvSpPr>
+            <a:spLocks noGrp="1"/>
+          </p:cNvSpPr>
+          <p:nvPr>
+            <p:ph type="title"/>
+          </p:nvPr>
+        </p:nvSpPr>
+        <p:spPr/>
+        <p:txBody>
+          <a:bodyPr/>
+          <a:lstStyle/>
+          <a:p>
+            <a:r>
+              <a:rPr lang="en-US" sz="8000">
+                <a:solidFill>
+                  <a:srgbClr val="000000"/>
+                </a:solidFill>
+              </a:rPr>
+              <a:t>Blessed be Your name
+When I'm found in the desert place
+Though I walk through the wilderness
+Blessed be Your name</a:t>
+            </a:r>
+          </a:p>
+        </p:txBody>
+      </p:sp>
+    </p:spTree>
+  </p:cSld>
+  <p:clrMapOvr>
+    <a:masterClrMapping/>
+  </p:clrMapOvr>
+</p:sld>
+</file>
+
+<file path=ppt/slides/slide4.xml><?xml version="1.0" encoding="utf-8"?>
+<p:sld xmlns:p="http://schemas.openxmlformats.org/presentationml/2006/main" xmlns:a="http://schemas.openxmlformats.org/drawingml/2006/main" xmlns:r="http://schemas.openxmlformats.org/officeDocument/2006/relationships">
+  <p:cSld>
+    <p:bg>
+      <p:bgPr>
+        <a:blipFill>
+          <a:blip r:embed="rId2"/>
+          <a:stretch>
+            <a:fillRect/>
+          </a:stretch>
+        </a:blipFill>
+      </p:bgPr>
+    </p:bg>
+    <p:spTree>
+      <p:nvGrpSpPr>
+        <p:cNvPr id="1" name=""/>
+        <p:cNvGrpSpPr/>
+        <p:nvPr/>
+      </p:nvGrpSpPr>
+      <p:grpSpPr>
+        <a:xfrm>
+          <a:off x="0" y="0"/>
+          <a:ext cx="0" cy="0"/>
+          <a:chOff x="0" y="0"/>
+          <a:chExt cx="0" cy="0"/>
+        </a:xfrm>
+      </p:grpSpPr>
+      <p:sp>
+        <p:nvSpPr>
+          <p:cNvPr id="2" name="Title 1"/>
+          <p:cNvSpPr>
+            <a:spLocks noGrp="1"/>
+          </p:cNvSpPr>
+          <p:nvPr>
+            <p:ph type="title"/>
+          </p:nvPr>
+        </p:nvSpPr>
+        <p:spPr/>
+        <p:txBody>
+          <a:bodyPr/>
+          <a:lstStyle/>
+          <a:p>
+            <a:r>
+              <a:rPr lang="en-US" sz="8000">
+                <a:solidFill>
+                  <a:srgbClr val="000000"/>
+                </a:solidFill>
+              </a:rPr>
+              <a:t>Ev’ry blessing You pour out I’ll
+Turn back to praise
+When the darkness closes in Lord
+Still I will say</a:t>
+            </a:r>
+          </a:p>
+        </p:txBody>
+      </p:sp>
+    </p:spTree>
+  </p:cSld>
+  <p:clrMapOvr>
+    <a:masterClrMapping/>
+  </p:clrMapOvr>
+</p:sld>
+</file>
+
+<file path=ppt/slides/slide5.xml><?xml version="1.0" encoding="utf-8"?>
+<p:sld xmlns:p="http://schemas.openxmlformats.org/presentationml/2006/main" xmlns:a="http://schemas.openxmlformats.org/drawingml/2006/main" xmlns:r="http://schemas.openxmlformats.org/officeDocument/2006/relationships">
+  <p:cSld>
+    <p:bg>
+      <p:bgPr>
+        <a:blipFill>
+          <a:blip r:embed="rId2"/>
+          <a:stretch>
+            <a:fillRect/>
+          </a:stretch>
+        </a:blipFill>
+      </p:bgPr>
+    </p:bg>
+    <p:spTree>
+      <p:nvGrpSpPr>
+        <p:cNvPr id="1" name=""/>
+        <p:cNvGrpSpPr/>
+        <p:nvPr/>
+      </p:nvGrpSpPr>
+      <p:grpSpPr>
+        <a:xfrm>
+          <a:off x="0" y="0"/>
+          <a:ext cx="0" cy="0"/>
+          <a:chOff x="0" y="0"/>
+          <a:chExt cx="0" cy="0"/>
+        </a:xfrm>
+      </p:grpSpPr>
+      <p:sp>
+        <p:nvSpPr>
+          <p:cNvPr id="2" name="Title 1"/>
+          <p:cNvSpPr>
+            <a:spLocks noGrp="1"/>
+          </p:cNvSpPr>
+          <p:nvPr>
+            <p:ph type="title"/>
+          </p:nvPr>
+        </p:nvSpPr>
+        <p:spPr/>
+        <p:txBody>
+          <a:bodyPr/>
+          <a:lstStyle/>
+          <a:p>
+            <a:r>
+              <a:rPr lang="en-US" sz="8000">
+                <a:solidFill>
+                  <a:srgbClr val="000000"/>
+                </a:solidFill>
+              </a:rPr>
+              <a:t>Blessed be the name of the Lord
+Blessed be Your name
+Blessed be the name of the Lord
+Blessed be Your glorious name</a:t>
+            </a:r>
+          </a:p>
+        </p:txBody>
+      </p:sp>
+    </p:spTree>
+  </p:cSld>
+  <p:clrMapOvr>
+    <a:masterClrMapping/>
+  </p:clrMapOvr>
+</p:sld>
+</file>
+
+<file path=ppt/slides/slide6.xml><?xml version="1.0" encoding="utf-8"?>
+<p:sld xmlns:p="http://schemas.openxmlformats.org/presentationml/2006/main" xmlns:a="http://schemas.openxmlformats.org/drawingml/2006/main" xmlns:r="http://schemas.openxmlformats.org/officeDocument/2006/relationships">
+  <p:cSld>
+    <p:bg>
+      <p:bgPr>
+        <a:blipFill>
+          <a:blip r:embed="rId2"/>
+          <a:stretch>
+            <a:fillRect/>
+          </a:stretch>
+        </a:blipFill>
+      </p:bgPr>
+    </p:bg>
+    <p:spTree>
+      <p:nvGrpSpPr>
+        <p:cNvPr id="1" name=""/>
+        <p:cNvGrpSpPr/>
+        <p:nvPr/>
+      </p:nvGrpSpPr>
+      <p:grpSpPr>
+        <a:xfrm>
+          <a:off x="0" y="0"/>
+          <a:ext cx="0" cy="0"/>
+          <a:chOff x="0" y="0"/>
+          <a:chExt cx="0" cy="0"/>
+        </a:xfrm>
+      </p:grpSpPr>
+      <p:sp>
+        <p:nvSpPr>
+          <p:cNvPr id="2" name="Title 1"/>
+          <p:cNvSpPr>
+            <a:spLocks noGrp="1"/>
+          </p:cNvSpPr>
+          <p:nvPr>
+            <p:ph type="title"/>
+          </p:nvPr>
+        </p:nvSpPr>
+        <p:spPr/>
+        <p:txBody>
+          <a:bodyPr/>
+          <a:lstStyle/>
+          <a:p>
+            <a:r>
+              <a:rPr lang="en-US" sz="8000">
+                <a:solidFill>
+                  <a:srgbClr val="000000"/>
+                </a:solidFill>
+              </a:rPr>
+              <a:t>Blessed be Your name
+On the road marked with suffering
+Though there's pain in the offering
+Blessed be Your name</a:t>
+            </a:r>
+          </a:p>
+        </p:txBody>
+      </p:sp>
+    </p:spTree>
+  </p:cSld>
+  <p:clrMapOvr>
+    <a:masterClrMapping/>
+  </p:clrMapOvr>
+</p:sld>
+</file>
+
+<file path=ppt/slides/slide7.xml><?xml version="1.0" encoding="utf-8"?>
+<p:sld xmlns:p="http://schemas.openxmlformats.org/presentationml/2006/main" xmlns:a="http://schemas.openxmlformats.org/drawingml/2006/main" xmlns:r="http://schemas.openxmlformats.org/officeDocument/2006/relationships">
+  <p:cSld>
+    <p:bg>
+      <p:bgPr>
+        <a:blipFill>
+          <a:blip r:embed="rId2"/>
+          <a:stretch>
+            <a:fillRect/>
+          </a:stretch>
+        </a:blipFill>
+      </p:bgPr>
+    </p:bg>
+    <p:spTree>
+      <p:nvGrpSpPr>
+        <p:cNvPr id="1" name=""/>
+        <p:cNvGrpSpPr/>
+        <p:nvPr/>
+      </p:nvGrpSpPr>
+      <p:grpSpPr>
+        <a:xfrm>
+          <a:off x="0" y="0"/>
+          <a:ext cx="0" cy="0"/>
+          <a:chOff x="0" y="0"/>
+          <a:chExt cx="0" cy="0"/>
+        </a:xfrm>
+      </p:grpSpPr>
+      <p:sp>
+        <p:nvSpPr>
+          <p:cNvPr id="2" name="Title 1"/>
+          <p:cNvSpPr>
+            <a:spLocks noGrp="1"/>
+          </p:cNvSpPr>
+          <p:nvPr>
+            <p:ph type="title"/>
+          </p:nvPr>
+        </p:nvSpPr>
+        <p:spPr/>
+        <p:txBody>
+          <a:bodyPr/>
+          <a:lstStyle/>
+          <a:p>
+            <a:r>
+              <a:rPr lang="en-US" sz="8000">
+                <a:solidFill>
+                  <a:srgbClr val="000000"/>
+                </a:solidFill>
+              </a:rPr>
+              <a:t>Ev’ry blessing You pour out I’ll
+Turn back to praise
+When the darkness closes in Lord
+Still I will say</a:t>
+            </a:r>
+          </a:p>
+        </p:txBody>
+      </p:sp>
+    </p:spTree>
+  </p:cSld>
+  <p:clrMapOvr>
+    <a:masterClrMapping/>
+  </p:clrMapOvr>
+</p:sld>
+</file>
+
+<file path=ppt/slides/slide8.xml><?xml version="1.0" encoding="utf-8"?>
+<p:sld xmlns:p="http://schemas.openxmlformats.org/presentationml/2006/main" xmlns:a="http://schemas.openxmlformats.org/drawingml/2006/main" xmlns:r="http://schemas.openxmlformats.org/officeDocument/2006/relationships">
+  <p:cSld>
+    <p:bg>
+      <p:bgPr>
+        <a:blipFill>
+          <a:blip r:embed="rId2"/>
+          <a:stretch>
+            <a:fillRect/>
+          </a:stretch>
+        </a:blipFill>
+      </p:bgPr>
+    </p:bg>
+    <p:spTree>
+      <p:nvGrpSpPr>
+        <p:cNvPr id="1" name=""/>
+        <p:cNvGrpSpPr/>
+        <p:nvPr/>
+      </p:nvGrpSpPr>
+      <p:grpSpPr>
+        <a:xfrm>
+          <a:off x="0" y="0"/>
+          <a:ext cx="0" cy="0"/>
+          <a:chOff x="0" y="0"/>
+          <a:chExt cx="0" cy="0"/>
+        </a:xfrm>
+      </p:grpSpPr>
+      <p:sp>
+        <p:nvSpPr>
+          <p:cNvPr id="2" name="Title 1"/>
+          <p:cNvSpPr>
+            <a:spLocks noGrp="1"/>
+          </p:cNvSpPr>
+          <p:nvPr>
+            <p:ph type="title"/>
+          </p:nvPr>
+        </p:nvSpPr>
+        <p:spPr/>
+        <p:txBody>
+          <a:bodyPr/>
+          <a:lstStyle/>
+          <a:p>
+            <a:r>
+              <a:rPr lang="en-US" sz="8000">
+                <a:solidFill>
+                  <a:srgbClr val="000000"/>
+                </a:solidFill>
+              </a:rPr>
+              <a:t>Blessed be the name of the Lord
+Blessed be Your name
+Blessed be the name of the Lord
+Blessed be Your glorious name</a:t>
+            </a:r>
+          </a:p>
+        </p:txBody>
+      </p:sp>
+    </p:spTree>
+  </p:cSld>
+  <p:clrMapOvr>
+    <a:masterClrMapping/>
+  </p:clrMapOvr>
+</p:sld>
+</file>
+
+<file path=ppt/slides/slide9.xml><?xml version="1.0" encoding="utf-8"?>
+<p:sld xmlns:p="http://schemas.openxmlformats.org/presentationml/2006/main" xmlns:a="http://schemas.openxmlformats.org/drawingml/2006/main" xmlns:r="http://schemas.openxmlformats.org/officeDocument/2006/relationships">
+  <p:cSld>
+    <p:bg>
+      <p:bgPr>
+        <a:blipFill>
+          <a:blip r:embed="rId2"/>
+          <a:stretch>
+            <a:fillRect/>
+          </a:stretch>
+        </a:blipFill>
+      </p:bgPr>
+    </p:bg>
+    <p:spTree>
+      <p:nvGrpSpPr>
+        <p:cNvPr id="1" name=""/>
+        <p:cNvGrpSpPr/>
+        <p:nvPr/>
+      </p:nvGrpSpPr>
+      <p:grpSpPr>
+        <a:xfrm>
+          <a:off x="0" y="0"/>
+          <a:ext cx="0" cy="0"/>
+          <a:chOff x="0" y="0"/>
+          <a:chExt cx="0" cy="0"/>
+        </a:xfrm>
+      </p:grpSpPr>
+      <p:sp>
+        <p:nvSpPr>
+          <p:cNvPr id="2" name="Title 1"/>
+          <p:cNvSpPr>
+            <a:spLocks noGrp="1"/>
+          </p:cNvSpPr>
+          <p:nvPr>
+            <p:ph type="title"/>
+          </p:nvPr>
+        </p:nvSpPr>
+        <p:spPr/>
+        <p:txBody>
+          <a:bodyPr/>
+          <a:lstStyle/>
+          <a:p>
+            <a:r>
+              <a:rPr lang="en-US" sz="8000">
+                <a:solidFill>
+                  <a:srgbClr val="000000"/>
+                </a:solidFill>
+              </a:rPr>
+              <a:t>You give and take away
+You give and take away
+My heart will choose to say
+Lord blessed be Your name</a:t>
             </a:r>
           </a:p>
         </p:txBody>
